--- a/images2/picsUsecases2/VIS_ChrisNorth.pptx
+++ b/images2/picsUsecases2/VIS_ChrisNorth.pptx
@@ -2971,7 +2971,7 @@
       </p:grpSpPr>
       <p:pic>
         <p:nvPicPr>
-          <p:cNvPr id="2" name="Picture 1"/>
+          <p:cNvPr id="3" name="Picture 2"/>
           <p:cNvPicPr>
             <a:picLocks noChangeAspect="1"/>
           </p:cNvPicPr>
@@ -2991,8 +2991,8 @@
         </p:blipFill>
         <p:spPr>
           <a:xfrm>
-            <a:off x="210532" y="92626"/>
-            <a:ext cx="11981468" cy="6694540"/>
+            <a:off x="131976" y="141396"/>
+            <a:ext cx="12050597" cy="6638399"/>
           </a:xfrm>
           <a:prstGeom prst="rect">
             <a:avLst/>
@@ -3007,18 +3007,15 @@
         </p:nvCxnSpPr>
         <p:spPr>
           <a:xfrm flipV="1">
-            <a:off x="1366887" y="2809188"/>
-            <a:ext cx="659876" cy="320512"/>
+            <a:off x="904976" y="2865748"/>
+            <a:ext cx="1762810" cy="1875936"/>
           </a:xfrm>
           <a:prstGeom prst="straightConnector1">
             <a:avLst/>
           </a:prstGeom>
           <a:ln w="76200">
             <a:solidFill>
-              <a:schemeClr val="accent1">
-                <a:lumMod val="60000"/>
-                <a:lumOff val="40000"/>
-              </a:schemeClr>
+              <a:schemeClr val="accent6"/>
             </a:solidFill>
             <a:tailEnd type="triangle"/>
           </a:ln>
@@ -3061,6 +3058,13 @@
   <p:clrMapOvr>
     <a:masterClrMapping/>
   </p:clrMapOvr>
+  <p:timing>
+    <p:tnLst>
+      <p:par>
+        <p:cTn id="1" dur="indefinite" restart="never" nodeType="tmRoot"/>
+      </p:par>
+    </p:tnLst>
+  </p:timing>
 </p:sld>
 </file>
 

--- a/images2/picsUsecases2/VIS_ChrisNorth.pptx
+++ b/images2/picsUsecases2/VIS_ChrisNorth.pptx
@@ -2991,8 +2991,8 @@
         </p:blipFill>
         <p:spPr>
           <a:xfrm>
-            <a:off x="131976" y="141396"/>
-            <a:ext cx="12050597" cy="6638399"/>
+            <a:off x="197965" y="131976"/>
+            <a:ext cx="12067699" cy="6647820"/>
           </a:xfrm>
           <a:prstGeom prst="rect">
             <a:avLst/>
@@ -3007,7 +3007,7 @@
         </p:nvCxnSpPr>
         <p:spPr>
           <a:xfrm flipV="1">
-            <a:off x="904976" y="2865748"/>
+            <a:off x="989819" y="2856321"/>
             <a:ext cx="1762810" cy="1875936"/>
           </a:xfrm>
           <a:prstGeom prst="straightConnector1">
@@ -3016,6 +3016,104 @@
           <a:ln w="76200">
             <a:solidFill>
               <a:schemeClr val="accent6"/>
+            </a:solidFill>
+            <a:tailEnd type="triangle"/>
+          </a:ln>
+          <a:scene3d>
+            <a:camera prst="orthographicFront"/>
+            <a:lightRig rig="threePt" dir="t"/>
+          </a:scene3d>
+          <a:sp3d extrusionH="76200" contourW="12700" prstMaterial="matte">
+            <a:bevelT w="82550"/>
+            <a:extrusionClr>
+              <a:schemeClr val="bg1"/>
+            </a:extrusionClr>
+            <a:contourClr>
+              <a:schemeClr val="bg1"/>
+            </a:contourClr>
+          </a:sp3d>
+        </p:spPr>
+        <p:style>
+          <a:lnRef idx="1">
+            <a:schemeClr val="accent1"/>
+          </a:lnRef>
+          <a:fillRef idx="0">
+            <a:schemeClr val="accent1"/>
+          </a:fillRef>
+          <a:effectRef idx="0">
+            <a:schemeClr val="accent1"/>
+          </a:effectRef>
+          <a:fontRef idx="minor">
+            <a:schemeClr val="tx1"/>
+          </a:fontRef>
+        </p:style>
+      </p:cxnSp>
+      <p:cxnSp>
+        <p:nvCxnSpPr>
+          <p:cNvPr id="4" name="Straight Arrow Connector 3"/>
+          <p:cNvCxnSpPr/>
+          <p:nvPr/>
+        </p:nvCxnSpPr>
+        <p:spPr>
+          <a:xfrm flipV="1">
+            <a:off x="4892512" y="3960828"/>
+            <a:ext cx="1613556" cy="26710"/>
+          </a:xfrm>
+          <a:prstGeom prst="straightConnector1">
+            <a:avLst/>
+          </a:prstGeom>
+          <a:ln w="76200">
+            <a:solidFill>
+              <a:schemeClr val="accent2"/>
+            </a:solidFill>
+            <a:tailEnd type="triangle"/>
+          </a:ln>
+          <a:scene3d>
+            <a:camera prst="orthographicFront"/>
+            <a:lightRig rig="threePt" dir="t"/>
+          </a:scene3d>
+          <a:sp3d extrusionH="76200" contourW="12700" prstMaterial="matte">
+            <a:bevelT w="82550"/>
+            <a:extrusionClr>
+              <a:schemeClr val="bg1"/>
+            </a:extrusionClr>
+            <a:contourClr>
+              <a:schemeClr val="bg1"/>
+            </a:contourClr>
+          </a:sp3d>
+        </p:spPr>
+        <p:style>
+          <a:lnRef idx="1">
+            <a:schemeClr val="accent1"/>
+          </a:lnRef>
+          <a:fillRef idx="0">
+            <a:schemeClr val="accent1"/>
+          </a:fillRef>
+          <a:effectRef idx="0">
+            <a:schemeClr val="accent1"/>
+          </a:effectRef>
+          <a:fontRef idx="minor">
+            <a:schemeClr val="tx1"/>
+          </a:fontRef>
+        </p:style>
+      </p:cxnSp>
+      <p:cxnSp>
+        <p:nvCxnSpPr>
+          <p:cNvPr id="6" name="Straight Arrow Connector 5"/>
+          <p:cNvCxnSpPr/>
+          <p:nvPr/>
+        </p:nvCxnSpPr>
+        <p:spPr>
+          <a:xfrm flipV="1">
+            <a:off x="4534294" y="4433739"/>
+            <a:ext cx="1613556" cy="26710"/>
+          </a:xfrm>
+          <a:prstGeom prst="straightConnector1">
+            <a:avLst/>
+          </a:prstGeom>
+          <a:ln w="76200">
+            <a:solidFill>
+              <a:schemeClr val="accent2"/>
             </a:solidFill>
             <a:tailEnd type="triangle"/>
           </a:ln>
